--- a/PPTs/C Sharp - Accessibility Levels.pptx
+++ b/PPTs/C Sharp - Accessibility Levels.pptx
@@ -3400,7 +3400,7 @@
             </a:br>
             <a:r>
               <a:rPr lang="en-US" sz="5400" b="1" dirty="0" smtClean="0"/>
-              <a:t>Interface</a:t>
+              <a:t>Accessibility Level</a:t>
             </a:r>
             <a:endParaRPr lang="en-US" sz="6000" b="1" dirty="0"/>
           </a:p>
@@ -4134,13 +4134,8 @@
                       </a:pPr>
                       <a:r>
                         <a:rPr lang="en-US" sz="1600" baseline="0" dirty="0" smtClean="0"/>
-                        <a:t>Within the derived class from </a:t>
+                        <a:t>Within the derived class from another assembly</a:t>
                       </a:r>
-                      <a:r>
-                        <a:rPr lang="en-US" sz="1600" baseline="0" smtClean="0"/>
-                        <a:t>another assembly</a:t>
-                      </a:r>
-                      <a:endParaRPr lang="en-US" sz="1600" baseline="0" dirty="0" smtClean="0"/>
                     </a:p>
                   </a:txBody>
                   <a:tcPr/>

--- a/PPTs/C Sharp - Accessibility Levels.pptx
+++ b/PPTs/C Sharp - Accessibility Levels.pptx
@@ -11,6 +11,7 @@
     <p:sldId id="263" r:id="rId5"/>
     <p:sldId id="264" r:id="rId6"/>
     <p:sldId id="265" r:id="rId7"/>
+    <p:sldId id="266" r:id="rId8"/>
   </p:sldIdLst>
   <p:sldSz cx="12192000" cy="6858000"/>
   <p:notesSz cx="6858000" cy="9144000"/>
@@ -5289,6 +5290,171 @@
 </p:sld>
 </file>
 
+<file path=ppt/slides/slide7.xml><?xml version="1.0" encoding="utf-8"?>
+<p:sld xmlns:a="http://schemas.openxmlformats.org/drawingml/2006/main" xmlns:r="http://schemas.openxmlformats.org/officeDocument/2006/relationships" xmlns:p="http://schemas.openxmlformats.org/presentationml/2006/main">
+  <p:cSld>
+    <p:spTree>
+      <p:nvGrpSpPr>
+        <p:cNvPr id="1" name=""/>
+        <p:cNvGrpSpPr/>
+        <p:nvPr/>
+      </p:nvGrpSpPr>
+      <p:grpSpPr>
+        <a:xfrm>
+          <a:off x="0" y="0"/>
+          <a:ext cx="0" cy="0"/>
+          <a:chOff x="0" y="0"/>
+          <a:chExt cx="0" cy="0"/>
+        </a:xfrm>
+      </p:grpSpPr>
+      <p:sp>
+        <p:nvSpPr>
+          <p:cNvPr id="2" name="Title 1"/>
+          <p:cNvSpPr>
+            <a:spLocks noGrp="1"/>
+          </p:cNvSpPr>
+          <p:nvPr>
+            <p:ph type="ctrTitle"/>
+          </p:nvPr>
+        </p:nvSpPr>
+        <p:spPr>
+          <a:xfrm>
+            <a:off x="894404" y="860567"/>
+            <a:ext cx="7726422" cy="3255264"/>
+          </a:xfrm>
+        </p:spPr>
+        <p:txBody>
+          <a:bodyPr>
+            <a:normAutofit/>
+          </a:bodyPr>
+          <a:lstStyle/>
+          <a:p>
+            <a:pPr algn="ctr"/>
+            <a:r>
+              <a:rPr lang="en-US" sz="2400" b="1" dirty="0" smtClean="0"/>
+              <a:t>Thanks for viewing </a:t>
+            </a:r>
+            <a:br>
+              <a:rPr lang="en-US" sz="2400" b="1" dirty="0" smtClean="0"/>
+            </a:br>
+            <a:r>
+              <a:rPr lang="en-US" sz="2400" b="1" dirty="0" smtClean="0"/>
+              <a:t/>
+            </a:r>
+            <a:br>
+              <a:rPr lang="en-US" sz="2400" b="1" dirty="0" smtClean="0"/>
+            </a:br>
+            <a:r>
+              <a:rPr lang="en-US" sz="2400" b="1" dirty="0" smtClean="0">
+                <a:hlinkClick r:id="rId2"/>
+              </a:rPr>
+              <a:t>Visit Learn C Share for Free Trainings, Tutorials, Videos</a:t>
+            </a:r>
+            <a:br>
+              <a:rPr lang="en-US" sz="2400" b="1" dirty="0" smtClean="0">
+                <a:hlinkClick r:id="rId2"/>
+              </a:rPr>
+            </a:br>
+            <a:r>
+              <a:rPr lang="en-US" sz="2400" b="1" dirty="0" smtClean="0"/>
+              <a:t/>
+            </a:r>
+            <a:br>
+              <a:rPr lang="en-US" sz="2400" b="1" dirty="0" smtClean="0"/>
+            </a:br>
+            <a:r>
+              <a:rPr lang="en-US" sz="2400" b="1" dirty="0" smtClean="0">
+                <a:hlinkClick r:id="rId2"/>
+              </a:rPr>
+              <a:t>Visit CourseIng for Online Training, Corporate Training and Class Room trainings.</a:t>
+            </a:r>
+            <a:br>
+              <a:rPr lang="en-US" sz="2400" b="1" dirty="0" smtClean="0">
+                <a:hlinkClick r:id="rId2"/>
+              </a:rPr>
+            </a:br>
+            <a:endParaRPr lang="en-US" sz="2800" b="1" dirty="0"/>
+          </a:p>
+        </p:txBody>
+      </p:sp>
+      <p:sp>
+        <p:nvSpPr>
+          <p:cNvPr id="3" name="Subtitle 2"/>
+          <p:cNvSpPr>
+            <a:spLocks noGrp="1"/>
+          </p:cNvSpPr>
+          <p:nvPr>
+            <p:ph type="subTitle" idx="1"/>
+          </p:nvPr>
+        </p:nvSpPr>
+        <p:spPr/>
+        <p:txBody>
+          <a:bodyPr/>
+          <a:lstStyle/>
+          <a:p>
+            <a:pPr algn="ctr"/>
+            <a:r>
+              <a:rPr lang="en-US" dirty="0" smtClean="0"/>
+              <a:t>Learn @ CourseIng</a:t>
+            </a:r>
+          </a:p>
+          <a:p>
+            <a:pPr algn="ctr"/>
+            <a:r>
+              <a:rPr lang="en-US" dirty="0">
+                <a:solidFill>
+                  <a:schemeClr val="tx1">
+                    <a:lumMod val="95000"/>
+                    <a:lumOff val="5000"/>
+                  </a:schemeClr>
+                </a:solidFill>
+                <a:hlinkClick r:id="rId2"/>
+              </a:rPr>
+              <a:t>http://www.courseing.com</a:t>
+            </a:r>
+            <a:r>
+              <a:rPr lang="en-US" dirty="0">
+                <a:solidFill>
+                  <a:schemeClr val="tx1">
+                    <a:lumMod val="95000"/>
+                    <a:lumOff val="5000"/>
+                  </a:schemeClr>
+                </a:solidFill>
+              </a:rPr>
+              <a:t> </a:t>
+            </a:r>
+            <a:r>
+              <a:rPr lang="en-US" dirty="0"/>
+              <a:t> | +91 - </a:t>
+            </a:r>
+            <a:r>
+              <a:rPr lang="en-US" dirty="0" smtClean="0"/>
+              <a:t>7207210101</a:t>
+            </a:r>
+            <a:endParaRPr lang="en-US" dirty="0"/>
+          </a:p>
+        </p:txBody>
+      </p:sp>
+    </p:spTree>
+    <p:extLst>
+      <p:ext uri="{BB962C8B-B14F-4D97-AF65-F5344CB8AC3E}">
+        <p14:creationId xmlns:p14="http://schemas.microsoft.com/office/powerpoint/2010/main" val="1997466193"/>
+      </p:ext>
+    </p:extLst>
+  </p:cSld>
+  <p:clrMapOvr>
+    <a:masterClrMapping/>
+  </p:clrMapOvr>
+  <p:timing>
+    <p:tnLst>
+      <p:par>
+        <p:cTn id="1" dur="indefinite" restart="never" nodeType="tmRoot"/>
+      </p:par>
+    </p:tnLst>
+  </p:timing>
+</p:sld>
+</file>
+
 <file path=ppt/theme/theme1.xml><?xml version="1.0" encoding="utf-8"?>
 <a:theme xmlns:a="http://schemas.openxmlformats.org/drawingml/2006/main" name="Frame">
   <a:themeElements>
